--- a/참고자료/화면설계 및 기능명세.pptx
+++ b/참고자료/화면설계 및 기능명세.pptx
@@ -5184,7 +5184,7 @@
           </a:ln>
           <a:extLst>
             <a:ext uri="{C572A759-6A51-4108-AA02-DFA0A04FC94B}">
-              <ma14:wrappingTextBoxFlag xmlns="" xmlns:m="http://schemas.openxmlformats.org/officeDocument/2006/math" xmlns:a14="http://schemas.microsoft.com/office/drawing/2010/main" xmlns:ma14="http://schemas.microsoft.com/office/mac/drawingml/2011/main" val="1"/>
+              <ma14:wrappingTextBoxFlag xmlns:ma14="http://schemas.microsoft.com/office/mac/drawingml/2011/main" xmlns:a14="http://schemas.microsoft.com/office/drawing/2010/main" xmlns:m="http://schemas.openxmlformats.org/officeDocument/2006/math" xmlns="" val="1"/>
             </a:ext>
           </a:extLst>
         </p:spPr>
@@ -5287,7 +5287,7 @@
           </a:ln>
           <a:extLst>
             <a:ext uri="{C572A759-6A51-4108-AA02-DFA0A04FC94B}">
-              <ma14:wrappingTextBoxFlag xmlns="" xmlns:m="http://schemas.openxmlformats.org/officeDocument/2006/math" xmlns:a14="http://schemas.microsoft.com/office/drawing/2010/main" xmlns:ma14="http://schemas.microsoft.com/office/mac/drawingml/2011/main" val="1"/>
+              <ma14:wrappingTextBoxFlag xmlns:ma14="http://schemas.microsoft.com/office/mac/drawingml/2011/main" xmlns:a14="http://schemas.microsoft.com/office/drawing/2010/main" xmlns:m="http://schemas.openxmlformats.org/officeDocument/2006/math" xmlns="" val="1"/>
             </a:ext>
           </a:extLst>
         </p:spPr>
@@ -5389,7 +5389,7 @@
           </a:ln>
           <a:extLst>
             <a:ext uri="{C572A759-6A51-4108-AA02-DFA0A04FC94B}">
-              <ma14:wrappingTextBoxFlag xmlns="" xmlns:m="http://schemas.openxmlformats.org/officeDocument/2006/math" xmlns:a14="http://schemas.microsoft.com/office/drawing/2010/main" xmlns:ma14="http://schemas.microsoft.com/office/mac/drawingml/2011/main" val="1"/>
+              <ma14:wrappingTextBoxFlag xmlns:ma14="http://schemas.microsoft.com/office/mac/drawingml/2011/main" xmlns:a14="http://schemas.microsoft.com/office/drawing/2010/main" xmlns:m="http://schemas.openxmlformats.org/officeDocument/2006/math" xmlns="" val="1"/>
             </a:ext>
           </a:extLst>
         </p:spPr>
@@ -7136,12 +7136,16 @@
             <a:graphicFrameLocks noGrp="1"/>
           </p:cNvGraphicFramePr>
           <p:nvPr>
-            <p:extLst/>
+            <p:extLst>
+              <p:ext uri="{D42A27DB-BD31-4B8C-83A1-F6EECF244321}">
+                <p14:modId xmlns:p14="http://schemas.microsoft.com/office/powerpoint/2010/main" val="1086515526"/>
+              </p:ext>
+            </p:extLst>
           </p:nvPr>
         </p:nvGraphicFramePr>
         <p:xfrm>
           <a:off x="8688288" y="476672"/>
-          <a:ext cx="3384376" cy="2773373"/>
+          <a:ext cx="3384376" cy="4702757"/>
         </p:xfrm>
         <a:graphic>
           <a:graphicData uri="http://schemas.openxmlformats.org/drawingml/2006/table">
@@ -7545,7 +7549,7 @@
                         </a:lnSpc>
                       </a:pPr>
                       <a:r>
-                        <a:rPr lang="en-US" altLang="ko-KR" sz="850" b="0" dirty="0">
+                        <a:rPr lang="en-US" altLang="ko-KR" sz="850" b="1" dirty="0">
                           <a:solidFill>
                             <a:schemeClr val="tx1"/>
                           </a:solidFill>
@@ -7554,7 +7558,7 @@
                         </a:rPr>
                         <a:t>1</a:t>
                       </a:r>
-                      <a:endParaRPr lang="ko-KR" altLang="en-US" sz="850" b="0" dirty="0">
+                      <a:endParaRPr lang="ko-KR" altLang="en-US" sz="850" b="1" dirty="0">
                         <a:solidFill>
                           <a:schemeClr val="tx1"/>
                         </a:solidFill>
@@ -7620,7 +7624,244 @@
                           <a:spcPct val="120000"/>
                         </a:lnSpc>
                       </a:pPr>
-                      <a:endParaRPr lang="ko-KR" altLang="en-US" sz="850" b="0" dirty="0">
+                      <a:r>
+                        <a:rPr lang="ko-KR" altLang="en-US" sz="850" b="1" dirty="0" smtClean="0">
+                          <a:latin typeface="+mn-ea"/>
+                          <a:ea typeface="+mn-ea"/>
+                        </a:rPr>
+                        <a:t>이메일</a:t>
+                      </a:r>
+                      <a:endParaRPr lang="en-US" altLang="ko-KR" sz="850" b="1" dirty="0" smtClean="0">
+                        <a:latin typeface="+mn-ea"/>
+                        <a:ea typeface="+mn-ea"/>
+                      </a:endParaRPr>
+                    </a:p>
+                    <a:p>
+                      <a:pPr marL="171450" indent="-171450" algn="just" latinLnBrk="1">
+                        <a:lnSpc>
+                          <a:spcPct val="120000"/>
+                        </a:lnSpc>
+                        <a:buFontTx/>
+                        <a:buChar char="-"/>
+                      </a:pPr>
+                      <a:r>
+                        <a:rPr lang="ko-KR" altLang="en-US" sz="850" b="1" dirty="0" smtClean="0">
+                          <a:latin typeface="+mn-ea"/>
+                          <a:ea typeface="+mn-ea"/>
+                        </a:rPr>
+                        <a:t>이메일을 아이디로 써야할 듯</a:t>
+                      </a:r>
+                      <a:endParaRPr lang="en-US" altLang="ko-KR" sz="850" b="1" dirty="0" smtClean="0">
+                        <a:latin typeface="+mn-ea"/>
+                        <a:ea typeface="+mn-ea"/>
+                      </a:endParaRPr>
+                    </a:p>
+                    <a:p>
+                      <a:pPr marL="171450" indent="-171450" algn="just" latinLnBrk="1">
+                        <a:lnSpc>
+                          <a:spcPct val="120000"/>
+                        </a:lnSpc>
+                        <a:buFontTx/>
+                        <a:buChar char="-"/>
+                      </a:pPr>
+                      <a:endParaRPr lang="en-US" altLang="ko-KR" sz="850" b="1" dirty="0" smtClean="0">
+                        <a:latin typeface="+mn-ea"/>
+                        <a:ea typeface="+mn-ea"/>
+                      </a:endParaRPr>
+                    </a:p>
+                    <a:p>
+                      <a:pPr marL="0" indent="0" algn="just" latinLnBrk="1">
+                        <a:lnSpc>
+                          <a:spcPct val="120000"/>
+                        </a:lnSpc>
+                        <a:buFontTx/>
+                        <a:buNone/>
+                      </a:pPr>
+                      <a:r>
+                        <a:rPr lang="ko-KR" altLang="en-US" sz="850" b="1" dirty="0" err="1" smtClean="0">
+                          <a:solidFill>
+                            <a:srgbClr val="FF0000"/>
+                          </a:solidFill>
+                          <a:latin typeface="+mn-ea"/>
+                          <a:ea typeface="+mn-ea"/>
+                        </a:rPr>
+                        <a:t>예외사항</a:t>
+                      </a:r>
+                      <a:r>
+                        <a:rPr lang="ko-KR" altLang="en-US" sz="850" b="1" dirty="0" smtClean="0">
+                          <a:solidFill>
+                            <a:srgbClr val="FF0000"/>
+                          </a:solidFill>
+                          <a:latin typeface="+mn-ea"/>
+                          <a:ea typeface="+mn-ea"/>
+                        </a:rPr>
+                        <a:t> </a:t>
+                      </a:r>
+                      <a:endParaRPr lang="en-US" altLang="ko-KR" sz="850" b="1" dirty="0" smtClean="0">
+                        <a:solidFill>
+                          <a:srgbClr val="FF0000"/>
+                        </a:solidFill>
+                        <a:latin typeface="+mn-ea"/>
+                        <a:ea typeface="+mn-ea"/>
+                      </a:endParaRPr>
+                    </a:p>
+                    <a:p>
+                      <a:pPr marL="171450" indent="-171450" algn="just" latinLnBrk="1">
+                        <a:lnSpc>
+                          <a:spcPct val="120000"/>
+                        </a:lnSpc>
+                        <a:buFontTx/>
+                        <a:buChar char="-"/>
+                      </a:pPr>
+                      <a:r>
+                        <a:rPr lang="en-US" altLang="ko-KR" sz="850" b="1" dirty="0" smtClean="0">
+                          <a:solidFill>
+                            <a:srgbClr val="FF0000"/>
+                          </a:solidFill>
+                          <a:latin typeface="+mn-ea"/>
+                          <a:ea typeface="+mn-ea"/>
+                        </a:rPr>
+                        <a:t>Null </a:t>
+                      </a:r>
+                      <a:r>
+                        <a:rPr lang="ko-KR" altLang="en-US" sz="850" b="1" dirty="0" smtClean="0">
+                          <a:solidFill>
+                            <a:srgbClr val="FF0000"/>
+                          </a:solidFill>
+                          <a:latin typeface="+mn-ea"/>
+                          <a:ea typeface="+mn-ea"/>
+                        </a:rPr>
+                        <a:t>값일 경우 </a:t>
+                      </a:r>
+                      <a:r>
+                        <a:rPr lang="en-US" altLang="ko-KR" sz="850" b="1" dirty="0" smtClean="0">
+                          <a:solidFill>
+                            <a:srgbClr val="FF0000"/>
+                          </a:solidFill>
+                          <a:latin typeface="+mn-ea"/>
+                          <a:ea typeface="+mn-ea"/>
+                        </a:rPr>
+                        <a:t>Line</a:t>
+                      </a:r>
+                      <a:r>
+                        <a:rPr lang="en-US" altLang="ko-KR" sz="850" b="1" baseline="0" dirty="0" smtClean="0">
+                          <a:solidFill>
+                            <a:srgbClr val="FF0000"/>
+                          </a:solidFill>
+                          <a:latin typeface="+mn-ea"/>
+                          <a:ea typeface="+mn-ea"/>
+                        </a:rPr>
+                        <a:t> </a:t>
+                      </a:r>
+                      <a:r>
+                        <a:rPr lang="en-US" altLang="ko-KR" sz="850" b="1" baseline="0" dirty="0" err="1" smtClean="0">
+                          <a:solidFill>
+                            <a:srgbClr val="FF0000"/>
+                          </a:solidFill>
+                          <a:latin typeface="+mn-ea"/>
+                          <a:ea typeface="+mn-ea"/>
+                        </a:rPr>
+                        <a:t>HighLight</a:t>
+                      </a:r>
+                      <a:endParaRPr lang="en-US" altLang="ko-KR" sz="850" b="1" baseline="0" dirty="0" smtClean="0">
+                        <a:solidFill>
+                          <a:srgbClr val="FF0000"/>
+                        </a:solidFill>
+                        <a:latin typeface="+mn-ea"/>
+                        <a:ea typeface="+mn-ea"/>
+                      </a:endParaRPr>
+                    </a:p>
+                    <a:p>
+                      <a:pPr marL="171450" indent="-171450" algn="just" latinLnBrk="1">
+                        <a:lnSpc>
+                          <a:spcPct val="120000"/>
+                        </a:lnSpc>
+                        <a:buFontTx/>
+                        <a:buChar char="-"/>
+                      </a:pPr>
+                      <a:r>
+                        <a:rPr lang="ko-KR" altLang="en-US" sz="850" b="1" dirty="0" smtClean="0">
+                          <a:solidFill>
+                            <a:srgbClr val="FF0000"/>
+                          </a:solidFill>
+                          <a:latin typeface="+mn-ea"/>
+                          <a:ea typeface="+mn-ea"/>
+                        </a:rPr>
+                        <a:t>이메일 형식에 맞지 않을 경우 </a:t>
+                      </a:r>
+                      <a:r>
+                        <a:rPr lang="en-US" altLang="ko-KR" sz="850" b="1" dirty="0" smtClean="0">
+                          <a:solidFill>
+                            <a:srgbClr val="FF0000"/>
+                          </a:solidFill>
+                          <a:latin typeface="+mn-ea"/>
+                          <a:ea typeface="+mn-ea"/>
+                        </a:rPr>
+                        <a:t>Line </a:t>
+                      </a:r>
+                      <a:r>
+                        <a:rPr lang="en-US" altLang="ko-KR" sz="850" b="1" dirty="0" err="1" smtClean="0">
+                          <a:solidFill>
+                            <a:srgbClr val="FF0000"/>
+                          </a:solidFill>
+                          <a:latin typeface="+mn-ea"/>
+                          <a:ea typeface="+mn-ea"/>
+                        </a:rPr>
+                        <a:t>HighLight</a:t>
+                      </a:r>
+                      <a:endParaRPr lang="en-US" altLang="ko-KR" sz="850" b="1" dirty="0" smtClean="0">
+                        <a:solidFill>
+                          <a:srgbClr val="FF0000"/>
+                        </a:solidFill>
+                        <a:latin typeface="+mn-ea"/>
+                        <a:ea typeface="+mn-ea"/>
+                      </a:endParaRPr>
+                    </a:p>
+                    <a:p>
+                      <a:pPr marL="0" indent="0" algn="just" latinLnBrk="1">
+                        <a:lnSpc>
+                          <a:spcPct val="120000"/>
+                        </a:lnSpc>
+                        <a:buFontTx/>
+                        <a:buNone/>
+                      </a:pPr>
+                      <a:endParaRPr lang="en-US" altLang="ko-KR" sz="850" b="1" dirty="0" smtClean="0">
+                        <a:latin typeface="+mn-ea"/>
+                        <a:ea typeface="+mn-ea"/>
+                      </a:endParaRPr>
+                    </a:p>
+                    <a:p>
+                      <a:pPr marL="0" indent="0" algn="just" latinLnBrk="1">
+                        <a:lnSpc>
+                          <a:spcPct val="120000"/>
+                        </a:lnSpc>
+                        <a:buFontTx/>
+                        <a:buNone/>
+                      </a:pPr>
+                      <a:r>
+                        <a:rPr lang="en-US" altLang="ko-KR" sz="850" b="1" dirty="0" smtClean="0">
+                          <a:solidFill>
+                            <a:srgbClr val="0070C0"/>
+                          </a:solidFill>
+                          <a:latin typeface="+mn-ea"/>
+                          <a:ea typeface="+mn-ea"/>
+                        </a:rPr>
+                        <a:t>*</a:t>
+                      </a:r>
+                      <a:r>
+                        <a:rPr lang="ko-KR" altLang="en-US" sz="850" b="1" dirty="0" smtClean="0">
+                          <a:solidFill>
+                            <a:srgbClr val="0070C0"/>
+                          </a:solidFill>
+                          <a:latin typeface="+mn-ea"/>
+                          <a:ea typeface="+mn-ea"/>
+                        </a:rPr>
+                        <a:t>이메일 폼으로 만들어야 함 </a:t>
+                      </a:r>
+                      <a:endParaRPr lang="en-US" altLang="ko-KR" sz="850" b="1" dirty="0" smtClean="0">
+                        <a:solidFill>
+                          <a:srgbClr val="0070C0"/>
+                        </a:solidFill>
                         <a:latin typeface="+mn-ea"/>
                         <a:ea typeface="+mn-ea"/>
                       </a:endParaRPr>
@@ -7670,7 +7911,9 @@
                       <a:headEnd type="none" w="med" len="med"/>
                       <a:tailEnd type="none" w="med" len="med"/>
                     </a:lnB>
-                    <a:noFill/>
+                    <a:solidFill>
+                      <a:schemeClr val="bg1"/>
+                    </a:solidFill>
                   </a:tcPr>
                 </a:tc>
                 <a:extLst>
@@ -7691,13 +7934,13 @@
                         </a:lnSpc>
                       </a:pPr>
                       <a:r>
-                        <a:rPr lang="en-US" altLang="ko-KR" sz="850" b="0" dirty="0">
+                        <a:rPr lang="en-US" altLang="ko-KR" sz="850" b="1" dirty="0">
                           <a:latin typeface="+mn-ea"/>
                           <a:ea typeface="+mn-ea"/>
                         </a:rPr>
                         <a:t>2</a:t>
                       </a:r>
-                      <a:endParaRPr lang="ko-KR" altLang="en-US" sz="850" b="0" dirty="0">
+                      <a:endParaRPr lang="ko-KR" altLang="en-US" sz="850" b="1" dirty="0">
                         <a:latin typeface="+mn-ea"/>
                         <a:ea typeface="+mn-ea"/>
                       </a:endParaRPr>
@@ -7772,7 +8015,68 @@
                         <a:tabLst/>
                         <a:defRPr/>
                       </a:pPr>
-                      <a:endParaRPr kumimoji="1" lang="ko-KR" altLang="en-US" sz="850" dirty="0">
+                      <a:r>
+                        <a:rPr kumimoji="1" lang="ko-KR" altLang="en-US" sz="850" b="1" dirty="0" smtClean="0">
+                          <a:solidFill>
+                            <a:schemeClr val="tx1"/>
+                          </a:solidFill>
+                          <a:latin typeface="+mn-ea"/>
+                        </a:rPr>
+                        <a:t>비밀번호</a:t>
+                      </a:r>
+                      <a:endParaRPr kumimoji="1" lang="en-US" altLang="ko-KR" sz="850" b="1" dirty="0" smtClean="0">
+                        <a:solidFill>
+                          <a:schemeClr val="tx1"/>
+                        </a:solidFill>
+                        <a:latin typeface="+mn-ea"/>
+                      </a:endParaRPr>
+                    </a:p>
+                    <a:p>
+                      <a:pPr marL="0" marR="0" lvl="0" indent="0" algn="just" defTabSz="914400" rtl="0" eaLnBrk="1" fontAlgn="auto" latinLnBrk="1" hangingPunct="1">
+                        <a:lnSpc>
+                          <a:spcPct val="120000"/>
+                        </a:lnSpc>
+                        <a:spcBef>
+                          <a:spcPts val="0"/>
+                        </a:spcBef>
+                        <a:spcAft>
+                          <a:spcPts val="0"/>
+                        </a:spcAft>
+                        <a:buClrTx/>
+                        <a:buSzTx/>
+                        <a:buFontTx/>
+                        <a:buNone/>
+                        <a:tabLst/>
+                        <a:defRPr/>
+                      </a:pPr>
+                      <a:r>
+                        <a:rPr kumimoji="1" lang="en-US" altLang="ko-KR" sz="850" b="1" dirty="0" smtClean="0">
+                          <a:solidFill>
+                            <a:schemeClr val="tx1"/>
+                          </a:solidFill>
+                          <a:latin typeface="+mn-ea"/>
+                        </a:rPr>
+                        <a:t>- Django</a:t>
+                      </a:r>
+                      <a:r>
+                        <a:rPr kumimoji="1" lang="en-US" altLang="ko-KR" sz="850" b="1" baseline="0" dirty="0" smtClean="0">
+                          <a:solidFill>
+                            <a:schemeClr val="tx1"/>
+                          </a:solidFill>
+                          <a:latin typeface="+mn-ea"/>
+                        </a:rPr>
+                        <a:t> </a:t>
+                      </a:r>
+                      <a:r>
+                        <a:rPr kumimoji="1" lang="ko-KR" altLang="en-US" sz="850" b="1" baseline="0" dirty="0" smtClean="0">
+                          <a:solidFill>
+                            <a:schemeClr val="tx1"/>
+                          </a:solidFill>
+                          <a:latin typeface="+mn-ea"/>
+                        </a:rPr>
+                        <a:t>측에서 비밀번호 길이 및 규칙 자동 처리</a:t>
+                      </a:r>
+                      <a:endParaRPr kumimoji="1" lang="ko-KR" altLang="en-US" sz="850" b="1" dirty="0">
                         <a:solidFill>
                           <a:schemeClr val="tx1"/>
                         </a:solidFill>
@@ -7845,13 +8149,13 @@
                         </a:lnSpc>
                       </a:pPr>
                       <a:r>
-                        <a:rPr lang="en-US" altLang="ko-KR" sz="850" b="0" dirty="0">
+                        <a:rPr lang="en-US" altLang="ko-KR" sz="850" b="1" dirty="0">
                           <a:latin typeface="+mn-ea"/>
                           <a:ea typeface="+mn-ea"/>
                         </a:rPr>
                         <a:t>3</a:t>
                       </a:r>
-                      <a:endParaRPr lang="ko-KR" altLang="en-US" sz="850" b="0" dirty="0">
+                      <a:endParaRPr lang="ko-KR" altLang="en-US" sz="850" b="1" dirty="0">
                         <a:latin typeface="+mn-ea"/>
                         <a:ea typeface="+mn-ea"/>
                       </a:endParaRPr>
@@ -7914,7 +8218,46 @@
                           <a:spcPct val="120000"/>
                         </a:lnSpc>
                       </a:pPr>
-                      <a:endParaRPr lang="ko-KR" altLang="en-US" sz="850" b="0" dirty="0">
+                      <a:r>
+                        <a:rPr lang="ko-KR" altLang="en-US" sz="850" b="1" dirty="0" smtClean="0">
+                          <a:latin typeface="+mn-ea"/>
+                          <a:ea typeface="+mn-ea"/>
+                        </a:rPr>
+                        <a:t>비밀번호 찾기</a:t>
+                      </a:r>
+                      <a:endParaRPr lang="en-US" altLang="ko-KR" sz="850" b="1" dirty="0" smtClean="0">
+                        <a:latin typeface="+mn-ea"/>
+                        <a:ea typeface="+mn-ea"/>
+                      </a:endParaRPr>
+                    </a:p>
+                    <a:p>
+                      <a:pPr algn="just" latinLnBrk="1">
+                        <a:lnSpc>
+                          <a:spcPct val="120000"/>
+                        </a:lnSpc>
+                      </a:pPr>
+                      <a:r>
+                        <a:rPr lang="en-US" altLang="ko-KR" sz="850" b="1" dirty="0" smtClean="0">
+                          <a:latin typeface="+mn-ea"/>
+                          <a:ea typeface="+mn-ea"/>
+                        </a:rPr>
+                        <a:t>- </a:t>
+                      </a:r>
+                      <a:r>
+                        <a:rPr lang="ko-KR" altLang="en-US" sz="850" b="1" dirty="0" smtClean="0">
+                          <a:latin typeface="+mn-ea"/>
+                          <a:ea typeface="+mn-ea"/>
+                        </a:rPr>
+                        <a:t>비밀번호를</a:t>
+                      </a:r>
+                      <a:r>
+                        <a:rPr lang="ko-KR" altLang="en-US" sz="850" b="1" baseline="0" dirty="0" smtClean="0">
+                          <a:latin typeface="+mn-ea"/>
+                          <a:ea typeface="+mn-ea"/>
+                        </a:rPr>
+                        <a:t> 잊어버렸을 시 가입한 이메일로 인증번호 전송</a:t>
+                      </a:r>
+                      <a:endParaRPr lang="ko-KR" altLang="en-US" sz="850" b="1" dirty="0">
                         <a:latin typeface="+mn-ea"/>
                         <a:ea typeface="+mn-ea"/>
                       </a:endParaRPr>
@@ -7985,13 +8328,13 @@
                         </a:lnSpc>
                       </a:pPr>
                       <a:r>
-                        <a:rPr lang="en-US" altLang="ko-KR" sz="850" b="0" dirty="0">
+                        <a:rPr lang="en-US" altLang="ko-KR" sz="850" b="1" dirty="0">
                           <a:latin typeface="+mn-ea"/>
                           <a:ea typeface="+mn-ea"/>
                         </a:rPr>
                         <a:t>4</a:t>
                       </a:r>
-                      <a:endParaRPr lang="ko-KR" altLang="en-US" sz="850" b="0" dirty="0">
+                      <a:endParaRPr lang="ko-KR" altLang="en-US" sz="850" b="1" dirty="0">
                         <a:latin typeface="+mn-ea"/>
                         <a:ea typeface="+mn-ea"/>
                       </a:endParaRPr>
@@ -8066,7 +8409,77 @@
                         <a:tabLst/>
                         <a:defRPr/>
                       </a:pPr>
-                      <a:endParaRPr kumimoji="1" lang="ko-KR" altLang="en-US" sz="850" dirty="0">
+                      <a:r>
+                        <a:rPr kumimoji="1" lang="ko-KR" altLang="en-US" sz="850" b="1" dirty="0" smtClean="0">
+                          <a:solidFill>
+                            <a:schemeClr val="tx1"/>
+                          </a:solidFill>
+                          <a:latin typeface="+mn-ea"/>
+                        </a:rPr>
+                        <a:t>로그인 </a:t>
+                      </a:r>
+                      <a:endParaRPr kumimoji="1" lang="en-US" altLang="ko-KR" sz="850" b="1" dirty="0" smtClean="0">
+                        <a:solidFill>
+                          <a:schemeClr val="tx1"/>
+                        </a:solidFill>
+                        <a:latin typeface="+mn-ea"/>
+                      </a:endParaRPr>
+                    </a:p>
+                    <a:p>
+                      <a:pPr marL="171450" marR="0" lvl="0" indent="-171450" algn="just" defTabSz="914400" rtl="0" eaLnBrk="1" fontAlgn="auto" latinLnBrk="1" hangingPunct="1">
+                        <a:lnSpc>
+                          <a:spcPct val="120000"/>
+                        </a:lnSpc>
+                        <a:spcBef>
+                          <a:spcPts val="0"/>
+                        </a:spcBef>
+                        <a:spcAft>
+                          <a:spcPts val="0"/>
+                        </a:spcAft>
+                        <a:buClrTx/>
+                        <a:buSzTx/>
+                        <a:buFontTx/>
+                        <a:buChar char="-"/>
+                        <a:tabLst/>
+                        <a:defRPr/>
+                      </a:pPr>
+                      <a:r>
+                        <a:rPr kumimoji="1" lang="en-US" altLang="ko-KR" sz="850" b="1" dirty="0" smtClean="0">
+                          <a:solidFill>
+                            <a:schemeClr val="tx1"/>
+                          </a:solidFill>
+                          <a:latin typeface="+mn-ea"/>
+                        </a:rPr>
+                        <a:t>Django</a:t>
+                      </a:r>
+                      <a:r>
+                        <a:rPr kumimoji="1" lang="en-US" altLang="ko-KR" sz="850" b="1" baseline="0" dirty="0" smtClean="0">
+                          <a:solidFill>
+                            <a:schemeClr val="tx1"/>
+                          </a:solidFill>
+                          <a:latin typeface="+mn-ea"/>
+                        </a:rPr>
+                        <a:t> </a:t>
+                      </a:r>
+                      <a:r>
+                        <a:rPr kumimoji="1" lang="en-US" altLang="ko-KR" sz="850" b="1" baseline="0" dirty="0" err="1" smtClean="0">
+                          <a:solidFill>
+                            <a:schemeClr val="tx1"/>
+                          </a:solidFill>
+                          <a:latin typeface="+mn-ea"/>
+                        </a:rPr>
+                        <a:t>auth</a:t>
+                      </a:r>
+                      <a:r>
+                        <a:rPr kumimoji="1" lang="ko-KR" altLang="en-US" sz="850" b="1" baseline="0" dirty="0" smtClean="0">
+                          <a:solidFill>
+                            <a:schemeClr val="tx1"/>
+                          </a:solidFill>
+                          <a:latin typeface="+mn-ea"/>
+                        </a:rPr>
+                        <a:t>에서 유효성 검사</a:t>
+                      </a:r>
+                      <a:endParaRPr kumimoji="1" lang="ko-KR" altLang="en-US" sz="850" b="1" dirty="0">
                         <a:solidFill>
                           <a:schemeClr val="tx1"/>
                         </a:solidFill>
@@ -8139,13 +8552,13 @@
                         </a:lnSpc>
                       </a:pPr>
                       <a:r>
-                        <a:rPr lang="en-US" altLang="ko-KR" sz="850" b="0" dirty="0">
+                        <a:rPr lang="en-US" altLang="ko-KR" sz="850" b="1" dirty="0">
                           <a:latin typeface="+mn-ea"/>
                           <a:ea typeface="+mn-ea"/>
                         </a:rPr>
                         <a:t>5</a:t>
                       </a:r>
-                      <a:endParaRPr lang="ko-KR" altLang="en-US" sz="850" b="0" dirty="0">
+                      <a:endParaRPr lang="ko-KR" altLang="en-US" sz="850" b="1" dirty="0">
                         <a:latin typeface="+mn-ea"/>
                         <a:ea typeface="+mn-ea"/>
                       </a:endParaRPr>
@@ -8208,7 +8621,81 @@
                           <a:spcPct val="120000"/>
                         </a:lnSpc>
                       </a:pPr>
-                      <a:endParaRPr lang="ko-KR" altLang="en-US" sz="850" b="0" dirty="0">
+                      <a:r>
+                        <a:rPr lang="ko-KR" altLang="en-US" sz="850" b="1" dirty="0" err="1" smtClean="0">
+                          <a:latin typeface="+mn-ea"/>
+                          <a:ea typeface="+mn-ea"/>
+                        </a:rPr>
+                        <a:t>소셜로그인</a:t>
+                      </a:r>
+                      <a:endParaRPr lang="en-US" altLang="ko-KR" sz="850" b="1" dirty="0" smtClean="0">
+                        <a:latin typeface="+mn-ea"/>
+                        <a:ea typeface="+mn-ea"/>
+                      </a:endParaRPr>
+                    </a:p>
+                    <a:p>
+                      <a:pPr algn="just" latinLnBrk="1">
+                        <a:lnSpc>
+                          <a:spcPct val="120000"/>
+                        </a:lnSpc>
+                      </a:pPr>
+                      <a:r>
+                        <a:rPr lang="en-US" altLang="ko-KR" sz="850" b="1" dirty="0" smtClean="0">
+                          <a:latin typeface="+mn-ea"/>
+                          <a:ea typeface="+mn-ea"/>
+                        </a:rPr>
+                        <a:t>- </a:t>
+                      </a:r>
+                      <a:r>
+                        <a:rPr lang="ko-KR" altLang="en-US" sz="850" b="1" dirty="0" smtClean="0">
+                          <a:latin typeface="+mn-ea"/>
+                          <a:ea typeface="+mn-ea"/>
+                        </a:rPr>
+                        <a:t>카카오</a:t>
+                      </a:r>
+                      <a:r>
+                        <a:rPr lang="en-US" altLang="ko-KR" sz="850" b="1" dirty="0" smtClean="0">
+                          <a:latin typeface="+mn-ea"/>
+                          <a:ea typeface="+mn-ea"/>
+                        </a:rPr>
+                        <a:t>, </a:t>
+                      </a:r>
+                      <a:r>
+                        <a:rPr lang="ko-KR" altLang="en-US" sz="850" b="1" dirty="0" smtClean="0">
+                          <a:latin typeface="+mn-ea"/>
+                          <a:ea typeface="+mn-ea"/>
+                        </a:rPr>
+                        <a:t>페이스북</a:t>
+                      </a:r>
+                      <a:r>
+                        <a:rPr lang="en-US" altLang="ko-KR" sz="850" b="1" dirty="0" smtClean="0">
+                          <a:latin typeface="+mn-ea"/>
+                          <a:ea typeface="+mn-ea"/>
+                        </a:rPr>
+                        <a:t>, </a:t>
+                      </a:r>
+                      <a:r>
+                        <a:rPr lang="ko-KR" altLang="en-US" sz="850" b="1" dirty="0" smtClean="0">
+                          <a:latin typeface="+mn-ea"/>
+                          <a:ea typeface="+mn-ea"/>
+                        </a:rPr>
+                        <a:t>구글 등으로 회원가입 없이 소셜</a:t>
+                      </a:r>
+                      <a:r>
+                        <a:rPr lang="en-US" altLang="ko-KR" sz="850" b="1" baseline="0" dirty="0" smtClean="0">
+                          <a:latin typeface="+mn-ea"/>
+                          <a:ea typeface="+mn-ea"/>
+                        </a:rPr>
+                        <a:t> </a:t>
+                      </a:r>
+                      <a:r>
+                        <a:rPr lang="ko-KR" altLang="en-US" sz="850" b="1" baseline="0" dirty="0" smtClean="0">
+                          <a:latin typeface="+mn-ea"/>
+                          <a:ea typeface="+mn-ea"/>
+                        </a:rPr>
+                        <a:t>계정이 있으면 로그인 가능</a:t>
+                      </a:r>
+                      <a:endParaRPr lang="ko-KR" altLang="en-US" sz="850" b="1" dirty="0">
                         <a:latin typeface="+mn-ea"/>
                         <a:ea typeface="+mn-ea"/>
                       </a:endParaRPr>
@@ -8267,7 +8754,7 @@
                   </a:ext>
                 </a:extLst>
               </a:tr>
-              <a:tr h="241592">
+              <a:tr h="145992">
                 <a:tc>
                   <a:txBody>
                     <a:bodyPr/>
@@ -8279,13 +8766,13 @@
                         </a:lnSpc>
                       </a:pPr>
                       <a:r>
-                        <a:rPr lang="en-US" altLang="ko-KR" sz="850" b="0" dirty="0">
+                        <a:rPr lang="en-US" altLang="ko-KR" sz="850" b="1" dirty="0">
                           <a:latin typeface="+mn-ea"/>
                           <a:ea typeface="+mn-ea"/>
                         </a:rPr>
                         <a:t>6</a:t>
                       </a:r>
-                      <a:endParaRPr lang="ko-KR" altLang="en-US" sz="850" b="0" dirty="0">
+                      <a:endParaRPr lang="ko-KR" altLang="en-US" sz="850" b="1" dirty="0">
                         <a:latin typeface="+mn-ea"/>
                         <a:ea typeface="+mn-ea"/>
                       </a:endParaRPr>
@@ -8348,7 +8835,53 @@
                           <a:spcPct val="120000"/>
                         </a:lnSpc>
                       </a:pPr>
-                      <a:endParaRPr lang="ko-KR" altLang="en-US" sz="850" b="0" dirty="0">
+                      <a:r>
+                        <a:rPr lang="ko-KR" altLang="en-US" sz="850" b="1" dirty="0" smtClean="0">
+                          <a:latin typeface="+mn-ea"/>
+                          <a:ea typeface="+mn-ea"/>
+                        </a:rPr>
+                        <a:t>회원가입</a:t>
+                      </a:r>
+                      <a:endParaRPr lang="en-US" altLang="ko-KR" sz="850" b="1" dirty="0" smtClean="0">
+                        <a:latin typeface="+mn-ea"/>
+                        <a:ea typeface="+mn-ea"/>
+                      </a:endParaRPr>
+                    </a:p>
+                    <a:p>
+                      <a:pPr algn="just" latinLnBrk="1">
+                        <a:lnSpc>
+                          <a:spcPct val="120000"/>
+                        </a:lnSpc>
+                      </a:pPr>
+                      <a:r>
+                        <a:rPr lang="en-US" altLang="ko-KR" sz="850" b="1" dirty="0" smtClean="0">
+                          <a:latin typeface="+mn-ea"/>
+                          <a:ea typeface="+mn-ea"/>
+                        </a:rPr>
+                        <a:t>- </a:t>
+                      </a:r>
+                      <a:r>
+                        <a:rPr lang="en-US" altLang="ko-KR" sz="850" b="1" dirty="0" err="1" smtClean="0">
+                          <a:latin typeface="+mn-ea"/>
+                          <a:ea typeface="+mn-ea"/>
+                        </a:rPr>
+                        <a:t>D_Link</a:t>
+                      </a:r>
+                      <a:r>
+                        <a:rPr lang="en-US" altLang="ko-KR" sz="850" b="1" baseline="0" dirty="0" smtClean="0">
+                          <a:latin typeface="+mn-ea"/>
+                          <a:ea typeface="+mn-ea"/>
+                        </a:rPr>
+                        <a:t> </a:t>
+                      </a:r>
+                      <a:r>
+                        <a:rPr lang="ko-KR" altLang="en-US" sz="850" b="1" baseline="0" dirty="0" smtClean="0">
+                          <a:latin typeface="+mn-ea"/>
+                          <a:ea typeface="+mn-ea"/>
+                        </a:rPr>
+                        <a:t>계정이 없을 시 회원가입 페이지로 유도</a:t>
+                      </a:r>
+                      <a:endParaRPr lang="ko-KR" altLang="en-US" sz="850" b="1" dirty="0">
                         <a:latin typeface="+mn-ea"/>
                         <a:ea typeface="+mn-ea"/>
                       </a:endParaRPr>
@@ -8404,146 +8937,6 @@
                 <a:extLst>
                   <a:ext uri="{0D108BD9-81ED-4DB2-BD59-A6C34878D82A}">
                     <a16:rowId xmlns:a16="http://schemas.microsoft.com/office/drawing/2014/main" val="1839284551"/>
-                  </a:ext>
-                </a:extLst>
-              </a:tr>
-              <a:tr h="241592">
-                <a:tc>
-                  <a:txBody>
-                    <a:bodyPr/>
-                    <a:lstStyle/>
-                    <a:p>
-                      <a:pPr algn="ctr" latinLnBrk="1">
-                        <a:lnSpc>
-                          <a:spcPct val="120000"/>
-                        </a:lnSpc>
-                      </a:pPr>
-                      <a:r>
-                        <a:rPr lang="en-US" altLang="ko-KR" sz="850" b="0" dirty="0">
-                          <a:latin typeface="+mn-ea"/>
-                          <a:ea typeface="+mn-ea"/>
-                        </a:rPr>
-                        <a:t>7</a:t>
-                      </a:r>
-                      <a:endParaRPr lang="ko-KR" altLang="en-US" sz="850" b="0" dirty="0">
-                        <a:latin typeface="+mn-ea"/>
-                        <a:ea typeface="+mn-ea"/>
-                      </a:endParaRPr>
-                    </a:p>
-                  </a:txBody>
-                  <a:tcPr anchor="ctr">
-                    <a:lnL w="3175" cap="flat" cmpd="sng" algn="ctr">
-                      <a:noFill/>
-                      <a:prstDash val="solid"/>
-                      <a:round/>
-                      <a:headEnd type="none" w="med" len="med"/>
-                      <a:tailEnd type="none" w="med" len="med"/>
-                    </a:lnL>
-                    <a:lnR w="3175" cap="flat" cmpd="sng" algn="ctr">
-                      <a:solidFill>
-                        <a:schemeClr val="tx1">
-                          <a:lumMod val="50000"/>
-                          <a:lumOff val="50000"/>
-                        </a:schemeClr>
-                      </a:solidFill>
-                      <a:prstDash val="solid"/>
-                      <a:round/>
-                      <a:headEnd type="none" w="med" len="med"/>
-                      <a:tailEnd type="none" w="med" len="med"/>
-                    </a:lnR>
-                    <a:lnT w="3175" cap="flat" cmpd="sng" algn="ctr">
-                      <a:solidFill>
-                        <a:schemeClr val="tx1">
-                          <a:lumMod val="50000"/>
-                          <a:lumOff val="50000"/>
-                        </a:schemeClr>
-                      </a:solidFill>
-                      <a:prstDash val="solid"/>
-                      <a:round/>
-                      <a:headEnd type="none" w="med" len="med"/>
-                      <a:tailEnd type="none" w="med" len="med"/>
-                    </a:lnT>
-                    <a:lnB w="3175" cap="flat" cmpd="sng" algn="ctr">
-                      <a:solidFill>
-                        <a:schemeClr val="tx1">
-                          <a:lumMod val="50000"/>
-                          <a:lumOff val="50000"/>
-                        </a:schemeClr>
-                      </a:solidFill>
-                      <a:prstDash val="solid"/>
-                      <a:round/>
-                      <a:headEnd type="none" w="med" len="med"/>
-                      <a:tailEnd type="none" w="med" len="med"/>
-                    </a:lnB>
-                    <a:noFill/>
-                  </a:tcPr>
-                </a:tc>
-                <a:tc>
-                  <a:txBody>
-                    <a:bodyPr/>
-                    <a:lstStyle/>
-                    <a:p>
-                      <a:pPr algn="just" latinLnBrk="1">
-                        <a:lnSpc>
-                          <a:spcPct val="120000"/>
-                        </a:lnSpc>
-                      </a:pPr>
-                      <a:endParaRPr lang="ko-KR" altLang="en-US" sz="850" b="0" dirty="0">
-                        <a:latin typeface="+mn-ea"/>
-                        <a:ea typeface="+mn-ea"/>
-                      </a:endParaRPr>
-                    </a:p>
-                  </a:txBody>
-                  <a:tcPr anchor="ctr">
-                    <a:lnL w="3175" cap="flat" cmpd="sng" algn="ctr">
-                      <a:solidFill>
-                        <a:schemeClr val="tx1">
-                          <a:lumMod val="50000"/>
-                          <a:lumOff val="50000"/>
-                        </a:schemeClr>
-                      </a:solidFill>
-                      <a:prstDash val="solid"/>
-                      <a:round/>
-                      <a:headEnd type="none" w="med" len="med"/>
-                      <a:tailEnd type="none" w="med" len="med"/>
-                    </a:lnL>
-                    <a:lnR w="3175" cap="flat" cmpd="sng" algn="ctr">
-                      <a:noFill/>
-                      <a:prstDash val="solid"/>
-                      <a:round/>
-                      <a:headEnd type="none" w="med" len="med"/>
-                      <a:tailEnd type="none" w="med" len="med"/>
-                    </a:lnR>
-                    <a:lnT w="3175" cap="flat" cmpd="sng" algn="ctr">
-                      <a:solidFill>
-                        <a:schemeClr val="tx1">
-                          <a:lumMod val="50000"/>
-                          <a:lumOff val="50000"/>
-                        </a:schemeClr>
-                      </a:solidFill>
-                      <a:prstDash val="solid"/>
-                      <a:round/>
-                      <a:headEnd type="none" w="med" len="med"/>
-                      <a:tailEnd type="none" w="med" len="med"/>
-                    </a:lnT>
-                    <a:lnB w="3175" cap="flat" cmpd="sng" algn="ctr">
-                      <a:solidFill>
-                        <a:schemeClr val="tx1">
-                          <a:lumMod val="50000"/>
-                          <a:lumOff val="50000"/>
-                        </a:schemeClr>
-                      </a:solidFill>
-                      <a:prstDash val="solid"/>
-                      <a:round/>
-                      <a:headEnd type="none" w="med" len="med"/>
-                      <a:tailEnd type="none" w="med" len="med"/>
-                    </a:lnB>
-                    <a:noFill/>
-                  </a:tcPr>
-                </a:tc>
-                <a:extLst>
-                  <a:ext uri="{0D108BD9-81ED-4DB2-BD59-A6C34878D82A}">
-                    <a16:rowId xmlns:a16="http://schemas.microsoft.com/office/drawing/2014/main" val="1199453169"/>
                   </a:ext>
                 </a:extLst>
               </a:tr>
